--- a/LLM/LLM + KG.pptx
+++ b/LLM/LLM + KG.pptx
@@ -23586,7 +23586,6 @@
               <a:rPr lang="en-US" dirty="0"/>
               <a:t>Represent domain as a knowledge graph</a:t>
             </a:r>
-            <a:endParaRPr lang="en-US"/>
           </a:p>
           <a:p>
             <a:pPr indent="-384048" defTabSz="914400">
@@ -23598,7 +23597,6 @@
               <a:rPr lang="en-US" dirty="0"/>
               <a:t>Use LLM to turn natural language queries into graph query language</a:t>
             </a:r>
-            <a:endParaRPr lang="en-US"/>
           </a:p>
           <a:p>
             <a:pPr indent="-384048" defTabSz="914400">
@@ -23610,7 +23608,6 @@
               <a:rPr lang="en-US" dirty="0"/>
               <a:t>Retrieve the results of the graph query</a:t>
             </a:r>
-            <a:endParaRPr lang="en-US"/>
           </a:p>
           <a:p>
             <a:pPr indent="-384048" defTabSz="914400">
@@ -23620,9 +23617,8 @@
             </a:pPr>
             <a:r>
               <a:rPr lang="en-US" dirty="0"/>
-              <a:t>Use LLM to generate a conversational response to the natural language query based on the vector query results</a:t>
+              <a:t>Use LLM to generate a conversational response to the natural language query based on the graph query results</a:t>
             </a:r>
-            <a:endParaRPr lang="en-US"/>
           </a:p>
         </p:txBody>
       </p:sp>
